--- a/icons.pptx
+++ b/icons.pptx
@@ -123,10 +123,6 @@
 </p:presentation>
 </file>
 
-<file path=ppt/revisionInfo.xml><?xml version="1.0" encoding="utf-8"?>
-<p1510:revInfo xmlns:a="http://schemas.openxmlformats.org/drawingml/2006/main" xmlns:r="http://schemas.openxmlformats.org/officeDocument/2006/relationships" xmlns:p1510="http://schemas.microsoft.com/office/powerpoint/2015/10/main"/>
-</file>
-
 <file path=ppt/slideLayouts/slideLayout1.xml><?xml version="1.0" encoding="utf-8"?>
 <p:sldLayout xmlns:a="http://schemas.openxmlformats.org/drawingml/2006/main" xmlns:r="http://schemas.openxmlformats.org/officeDocument/2006/relationships" xmlns:p="http://schemas.openxmlformats.org/presentationml/2006/main" type="title" preserve="1">
   <p:cSld name="Title Slide">
@@ -276,7 +272,7 @@
           <a:p>
             <a:fld id="{E940CD92-0260-410A-82FF-325AF8B13B24}" type="datetimeFigureOut">
               <a:rPr lang="en-GB" smtClean="0"/>
-              <a:t>22/01/2018</a:t>
+              <a:t>25/07/2018</a:t>
             </a:fld>
             <a:endParaRPr lang="en-GB"/>
           </a:p>
@@ -476,7 +472,7 @@
           <a:p>
             <a:fld id="{E940CD92-0260-410A-82FF-325AF8B13B24}" type="datetimeFigureOut">
               <a:rPr lang="en-GB" smtClean="0"/>
-              <a:t>22/01/2018</a:t>
+              <a:t>25/07/2018</a:t>
             </a:fld>
             <a:endParaRPr lang="en-GB"/>
           </a:p>
@@ -686,7 +682,7 @@
           <a:p>
             <a:fld id="{E940CD92-0260-410A-82FF-325AF8B13B24}" type="datetimeFigureOut">
               <a:rPr lang="en-GB" smtClean="0"/>
-              <a:t>22/01/2018</a:t>
+              <a:t>25/07/2018</a:t>
             </a:fld>
             <a:endParaRPr lang="en-GB"/>
           </a:p>
@@ -886,7 +882,7 @@
           <a:p>
             <a:fld id="{E940CD92-0260-410A-82FF-325AF8B13B24}" type="datetimeFigureOut">
               <a:rPr lang="en-GB" smtClean="0"/>
-              <a:t>22/01/2018</a:t>
+              <a:t>25/07/2018</a:t>
             </a:fld>
             <a:endParaRPr lang="en-GB"/>
           </a:p>
@@ -1162,7 +1158,7 @@
           <a:p>
             <a:fld id="{E940CD92-0260-410A-82FF-325AF8B13B24}" type="datetimeFigureOut">
               <a:rPr lang="en-GB" smtClean="0"/>
-              <a:t>22/01/2018</a:t>
+              <a:t>25/07/2018</a:t>
             </a:fld>
             <a:endParaRPr lang="en-GB"/>
           </a:p>
@@ -1430,7 +1426,7 @@
           <a:p>
             <a:fld id="{E940CD92-0260-410A-82FF-325AF8B13B24}" type="datetimeFigureOut">
               <a:rPr lang="en-GB" smtClean="0"/>
-              <a:t>22/01/2018</a:t>
+              <a:t>25/07/2018</a:t>
             </a:fld>
             <a:endParaRPr lang="en-GB"/>
           </a:p>
@@ -1845,7 +1841,7 @@
           <a:p>
             <a:fld id="{E940CD92-0260-410A-82FF-325AF8B13B24}" type="datetimeFigureOut">
               <a:rPr lang="en-GB" smtClean="0"/>
-              <a:t>22/01/2018</a:t>
+              <a:t>25/07/2018</a:t>
             </a:fld>
             <a:endParaRPr lang="en-GB"/>
           </a:p>
@@ -1987,7 +1983,7 @@
           <a:p>
             <a:fld id="{E940CD92-0260-410A-82FF-325AF8B13B24}" type="datetimeFigureOut">
               <a:rPr lang="en-GB" smtClean="0"/>
-              <a:t>22/01/2018</a:t>
+              <a:t>25/07/2018</a:t>
             </a:fld>
             <a:endParaRPr lang="en-GB"/>
           </a:p>
@@ -2100,7 +2096,7 @@
           <a:p>
             <a:fld id="{E940CD92-0260-410A-82FF-325AF8B13B24}" type="datetimeFigureOut">
               <a:rPr lang="en-GB" smtClean="0"/>
-              <a:t>22/01/2018</a:t>
+              <a:t>25/07/2018</a:t>
             </a:fld>
             <a:endParaRPr lang="en-GB"/>
           </a:p>
@@ -2413,7 +2409,7 @@
           <a:p>
             <a:fld id="{E940CD92-0260-410A-82FF-325AF8B13B24}" type="datetimeFigureOut">
               <a:rPr lang="en-GB" smtClean="0"/>
-              <a:t>22/01/2018</a:t>
+              <a:t>25/07/2018</a:t>
             </a:fld>
             <a:endParaRPr lang="en-GB"/>
           </a:p>
@@ -2702,7 +2698,7 @@
           <a:p>
             <a:fld id="{E940CD92-0260-410A-82FF-325AF8B13B24}" type="datetimeFigureOut">
               <a:rPr lang="en-GB" smtClean="0"/>
-              <a:t>22/01/2018</a:t>
+              <a:t>25/07/2018</a:t>
             </a:fld>
             <a:endParaRPr lang="en-GB"/>
           </a:p>
@@ -2945,7 +2941,7 @@
           <a:p>
             <a:fld id="{E940CD92-0260-410A-82FF-325AF8B13B24}" type="datetimeFigureOut">
               <a:rPr lang="en-GB" smtClean="0"/>
-              <a:t>22/01/2018</a:t>
+              <a:t>25/07/2018</a:t>
             </a:fld>
             <a:endParaRPr lang="en-GB"/>
           </a:p>
@@ -3521,6 +3517,466 @@
           </p:style>
         </p:cxnSp>
       </p:grpSp>
+      <p:grpSp>
+        <p:nvGrpSpPr>
+          <p:cNvPr id="24" name="Group 23">
+            <a:extLst>
+              <a:ext uri="{FF2B5EF4-FFF2-40B4-BE49-F238E27FC236}">
+                <a16:creationId xmlns:a16="http://schemas.microsoft.com/office/drawing/2014/main" id="{3704E827-E3A7-45AC-B7B6-F99DE4BE9A99}"/>
+              </a:ext>
+            </a:extLst>
+          </p:cNvPr>
+          <p:cNvGrpSpPr/>
+          <p:nvPr/>
+        </p:nvGrpSpPr>
+        <p:grpSpPr>
+          <a:xfrm>
+            <a:off x="10142638" y="295289"/>
+            <a:ext cx="1725282" cy="1725282"/>
+            <a:chOff x="10142638" y="295289"/>
+            <a:chExt cx="1725282" cy="1725282"/>
+          </a:xfrm>
+        </p:grpSpPr>
+        <p:sp>
+          <p:nvSpPr>
+            <p:cNvPr id="2" name="Oval 1">
+              <a:extLst>
+                <a:ext uri="{FF2B5EF4-FFF2-40B4-BE49-F238E27FC236}">
+                  <a16:creationId xmlns:a16="http://schemas.microsoft.com/office/drawing/2014/main" id="{A58410A4-42B5-4B8B-8C03-3A93A9EDA186}"/>
+                </a:ext>
+              </a:extLst>
+            </p:cNvPr>
+            <p:cNvSpPr/>
+            <p:nvPr/>
+          </p:nvSpPr>
+          <p:spPr>
+            <a:xfrm>
+              <a:off x="10142638" y="295289"/>
+              <a:ext cx="1725282" cy="1725282"/>
+            </a:xfrm>
+            <a:prstGeom prst="ellipse">
+              <a:avLst/>
+            </a:prstGeom>
+            <a:solidFill>
+              <a:srgbClr val="00B0F0"/>
+            </a:solidFill>
+            <a:ln>
+              <a:noFill/>
+            </a:ln>
+          </p:spPr>
+          <p:style>
+            <a:lnRef idx="2">
+              <a:schemeClr val="accent1">
+                <a:shade val="50000"/>
+              </a:schemeClr>
+            </a:lnRef>
+            <a:fillRef idx="1">
+              <a:schemeClr val="accent1"/>
+            </a:fillRef>
+            <a:effectRef idx="0">
+              <a:schemeClr val="accent1"/>
+            </a:effectRef>
+            <a:fontRef idx="minor">
+              <a:schemeClr val="lt1"/>
+            </a:fontRef>
+          </p:style>
+          <p:txBody>
+            <a:bodyPr rtlCol="0" anchor="ctr"/>
+            <a:lstStyle/>
+            <a:p>
+              <a:pPr algn="ctr"/>
+              <a:endParaRPr lang="en-GB"/>
+            </a:p>
+          </p:txBody>
+        </p:sp>
+        <p:grpSp>
+          <p:nvGrpSpPr>
+            <p:cNvPr id="23" name="Group 22">
+              <a:extLst>
+                <a:ext uri="{FF2B5EF4-FFF2-40B4-BE49-F238E27FC236}">
+                  <a16:creationId xmlns:a16="http://schemas.microsoft.com/office/drawing/2014/main" id="{3A194033-DF8C-43B8-A498-2B24782C333E}"/>
+                </a:ext>
+              </a:extLst>
+            </p:cNvPr>
+            <p:cNvGrpSpPr/>
+            <p:nvPr/>
+          </p:nvGrpSpPr>
+          <p:grpSpPr>
+            <a:xfrm>
+              <a:off x="10716734" y="734540"/>
+              <a:ext cx="577091" cy="846780"/>
+              <a:chOff x="3670817" y="2177991"/>
+              <a:chExt cx="1595201" cy="2340677"/>
+            </a:xfrm>
+          </p:grpSpPr>
+          <p:grpSp>
+            <p:nvGrpSpPr>
+              <p:cNvPr id="16" name="Group 15">
+                <a:extLst>
+                  <a:ext uri="{FF2B5EF4-FFF2-40B4-BE49-F238E27FC236}">
+                    <a16:creationId xmlns:a16="http://schemas.microsoft.com/office/drawing/2014/main" id="{AF69178A-08F7-4B83-A25F-47AE7F464951}"/>
+                  </a:ext>
+                </a:extLst>
+              </p:cNvPr>
+              <p:cNvGrpSpPr/>
+              <p:nvPr/>
+            </p:nvGrpSpPr>
+            <p:grpSpPr>
+              <a:xfrm>
+                <a:off x="3670817" y="2177991"/>
+                <a:ext cx="1595201" cy="2340677"/>
+                <a:chOff x="3670817" y="2177991"/>
+                <a:chExt cx="1595201" cy="2340677"/>
+              </a:xfrm>
+            </p:grpSpPr>
+            <p:sp>
+              <p:nvSpPr>
+                <p:cNvPr id="12" name="Isosceles Triangle 11">
+                  <a:extLst>
+                    <a:ext uri="{FF2B5EF4-FFF2-40B4-BE49-F238E27FC236}">
+                      <a16:creationId xmlns:a16="http://schemas.microsoft.com/office/drawing/2014/main" id="{CC795C27-D4F8-456D-8693-4D7124783C16}"/>
+                    </a:ext>
+                  </a:extLst>
+                </p:cNvPr>
+                <p:cNvSpPr/>
+                <p:nvPr/>
+              </p:nvSpPr>
+              <p:spPr>
+                <a:xfrm>
+                  <a:off x="3743325" y="3270729"/>
+                  <a:ext cx="1450182" cy="901221"/>
+                </a:xfrm>
+                <a:prstGeom prst="triangle">
+                  <a:avLst/>
+                </a:prstGeom>
+                <a:ln>
+                  <a:noFill/>
+                </a:ln>
+              </p:spPr>
+              <p:style>
+                <a:lnRef idx="2">
+                  <a:schemeClr val="accent1">
+                    <a:shade val="50000"/>
+                  </a:schemeClr>
+                </a:lnRef>
+                <a:fillRef idx="1">
+                  <a:schemeClr val="accent1"/>
+                </a:fillRef>
+                <a:effectRef idx="0">
+                  <a:schemeClr val="accent1"/>
+                </a:effectRef>
+                <a:fontRef idx="minor">
+                  <a:schemeClr val="lt1"/>
+                </a:fontRef>
+              </p:style>
+              <p:txBody>
+                <a:bodyPr rtlCol="0" anchor="ctr"/>
+                <a:lstStyle/>
+                <a:p>
+                  <a:pPr algn="ctr"/>
+                  <a:endParaRPr lang="en-GB"/>
+                </a:p>
+              </p:txBody>
+            </p:sp>
+            <p:sp>
+              <p:nvSpPr>
+                <p:cNvPr id="13" name="Isosceles Triangle 12">
+                  <a:extLst>
+                    <a:ext uri="{FF2B5EF4-FFF2-40B4-BE49-F238E27FC236}">
+                      <a16:creationId xmlns:a16="http://schemas.microsoft.com/office/drawing/2014/main" id="{151CB6E5-C8A4-4413-B926-AC85705F4EE8}"/>
+                    </a:ext>
+                  </a:extLst>
+                </p:cNvPr>
+                <p:cNvSpPr/>
+                <p:nvPr/>
+              </p:nvSpPr>
+              <p:spPr>
+                <a:xfrm rot="10800000">
+                  <a:off x="3743325" y="2526928"/>
+                  <a:ext cx="1450182" cy="901221"/>
+                </a:xfrm>
+                <a:prstGeom prst="triangle">
+                  <a:avLst/>
+                </a:prstGeom>
+                <a:ln>
+                  <a:noFill/>
+                </a:ln>
+              </p:spPr>
+              <p:style>
+                <a:lnRef idx="2">
+                  <a:schemeClr val="accent1">
+                    <a:shade val="50000"/>
+                  </a:schemeClr>
+                </a:lnRef>
+                <a:fillRef idx="1">
+                  <a:schemeClr val="accent1"/>
+                </a:fillRef>
+                <a:effectRef idx="0">
+                  <a:schemeClr val="accent1"/>
+                </a:effectRef>
+                <a:fontRef idx="minor">
+                  <a:schemeClr val="lt1"/>
+                </a:fontRef>
+              </p:style>
+              <p:txBody>
+                <a:bodyPr rtlCol="0" anchor="ctr"/>
+                <a:lstStyle/>
+                <a:p>
+                  <a:pPr algn="ctr"/>
+                  <a:endParaRPr lang="en-GB"/>
+                </a:p>
+              </p:txBody>
+            </p:sp>
+            <p:sp>
+              <p:nvSpPr>
+                <p:cNvPr id="14" name="Rectangle 13">
+                  <a:extLst>
+                    <a:ext uri="{FF2B5EF4-FFF2-40B4-BE49-F238E27FC236}">
+                      <a16:creationId xmlns:a16="http://schemas.microsoft.com/office/drawing/2014/main" id="{8734C21D-8441-41EC-BA57-7316F39740D7}"/>
+                    </a:ext>
+                  </a:extLst>
+                </p:cNvPr>
+                <p:cNvSpPr/>
+                <p:nvPr/>
+              </p:nvSpPr>
+              <p:spPr>
+                <a:xfrm>
+                  <a:off x="3670817" y="2177991"/>
+                  <a:ext cx="1595201" cy="348937"/>
+                </a:xfrm>
+                <a:prstGeom prst="rect">
+                  <a:avLst/>
+                </a:prstGeom>
+                <a:ln>
+                  <a:noFill/>
+                </a:ln>
+              </p:spPr>
+              <p:style>
+                <a:lnRef idx="2">
+                  <a:schemeClr val="accent1">
+                    <a:shade val="50000"/>
+                  </a:schemeClr>
+                </a:lnRef>
+                <a:fillRef idx="1">
+                  <a:schemeClr val="accent1"/>
+                </a:fillRef>
+                <a:effectRef idx="0">
+                  <a:schemeClr val="accent1"/>
+                </a:effectRef>
+                <a:fontRef idx="minor">
+                  <a:schemeClr val="lt1"/>
+                </a:fontRef>
+              </p:style>
+              <p:txBody>
+                <a:bodyPr rtlCol="0" anchor="ctr"/>
+                <a:lstStyle/>
+                <a:p>
+                  <a:pPr algn="ctr"/>
+                  <a:endParaRPr lang="en-GB"/>
+                </a:p>
+              </p:txBody>
+            </p:sp>
+            <p:sp>
+              <p:nvSpPr>
+                <p:cNvPr id="15" name="Rectangle 14">
+                  <a:extLst>
+                    <a:ext uri="{FF2B5EF4-FFF2-40B4-BE49-F238E27FC236}">
+                      <a16:creationId xmlns:a16="http://schemas.microsoft.com/office/drawing/2014/main" id="{B0B5D49C-7A39-48B3-BAB0-BAF8F749E80D}"/>
+                    </a:ext>
+                  </a:extLst>
+                </p:cNvPr>
+                <p:cNvSpPr/>
+                <p:nvPr/>
+              </p:nvSpPr>
+              <p:spPr>
+                <a:xfrm>
+                  <a:off x="3670817" y="4169731"/>
+                  <a:ext cx="1595201" cy="348937"/>
+                </a:xfrm>
+                <a:prstGeom prst="rect">
+                  <a:avLst/>
+                </a:prstGeom>
+                <a:ln>
+                  <a:noFill/>
+                </a:ln>
+              </p:spPr>
+              <p:style>
+                <a:lnRef idx="2">
+                  <a:schemeClr val="accent1">
+                    <a:shade val="50000"/>
+                  </a:schemeClr>
+                </a:lnRef>
+                <a:fillRef idx="1">
+                  <a:schemeClr val="accent1"/>
+                </a:fillRef>
+                <a:effectRef idx="0">
+                  <a:schemeClr val="accent1"/>
+                </a:effectRef>
+                <a:fontRef idx="minor">
+                  <a:schemeClr val="lt1"/>
+                </a:fontRef>
+              </p:style>
+              <p:txBody>
+                <a:bodyPr rtlCol="0" anchor="ctr"/>
+                <a:lstStyle/>
+                <a:p>
+                  <a:pPr algn="ctr"/>
+                  <a:endParaRPr lang="en-GB"/>
+                </a:p>
+              </p:txBody>
+            </p:sp>
+          </p:grpSp>
+          <p:sp>
+            <p:nvSpPr>
+              <p:cNvPr id="17" name="Isosceles Triangle 16">
+                <a:extLst>
+                  <a:ext uri="{FF2B5EF4-FFF2-40B4-BE49-F238E27FC236}">
+                    <a16:creationId xmlns:a16="http://schemas.microsoft.com/office/drawing/2014/main" id="{81ACFBBD-83A5-47AF-B151-243E2D0729DC}"/>
+                  </a:ext>
+                </a:extLst>
+              </p:cNvPr>
+              <p:cNvSpPr/>
+              <p:nvPr/>
+            </p:nvSpPr>
+            <p:spPr>
+              <a:xfrm rot="10800000">
+                <a:off x="3963918" y="2684641"/>
+                <a:ext cx="1008993" cy="614911"/>
+              </a:xfrm>
+              <a:prstGeom prst="triangle">
+                <a:avLst/>
+              </a:prstGeom>
+              <a:solidFill>
+                <a:srgbClr val="00B0F0"/>
+              </a:solidFill>
+              <a:ln>
+                <a:noFill/>
+              </a:ln>
+            </p:spPr>
+            <p:style>
+              <a:lnRef idx="2">
+                <a:schemeClr val="accent1">
+                  <a:shade val="50000"/>
+                </a:schemeClr>
+              </a:lnRef>
+              <a:fillRef idx="1">
+                <a:schemeClr val="accent1"/>
+              </a:fillRef>
+              <a:effectRef idx="0">
+                <a:schemeClr val="accent1"/>
+              </a:effectRef>
+              <a:fontRef idx="minor">
+                <a:schemeClr val="lt1"/>
+              </a:fontRef>
+            </p:style>
+            <p:txBody>
+              <a:bodyPr rtlCol="0" anchor="ctr"/>
+              <a:lstStyle/>
+              <a:p>
+                <a:pPr algn="ctr"/>
+                <a:endParaRPr lang="en-GB"/>
+              </a:p>
+            </p:txBody>
+          </p:sp>
+          <p:cxnSp>
+            <p:nvCxnSpPr>
+              <p:cNvPr id="19" name="Straight Connector 18">
+                <a:extLst>
+                  <a:ext uri="{FF2B5EF4-FFF2-40B4-BE49-F238E27FC236}">
+                    <a16:creationId xmlns:a16="http://schemas.microsoft.com/office/drawing/2014/main" id="{3B1BCB1A-AA3A-4B37-B498-509C588815AA}"/>
+                  </a:ext>
+                </a:extLst>
+              </p:cNvPr>
+              <p:cNvCxnSpPr>
+                <a:cxnSpLocks/>
+                <a:stCxn id="17" idx="3"/>
+                <a:endCxn id="12" idx="3"/>
+              </p:cNvCxnSpPr>
+              <p:nvPr/>
+            </p:nvCxnSpPr>
+            <p:spPr>
+              <a:xfrm>
+                <a:off x="4468414" y="2684641"/>
+                <a:ext cx="2" cy="1487309"/>
+              </a:xfrm>
+              <a:prstGeom prst="line">
+                <a:avLst/>
+              </a:prstGeom>
+              <a:ln w="19050">
+                <a:solidFill>
+                  <a:srgbClr val="00B0F0"/>
+                </a:solidFill>
+              </a:ln>
+            </p:spPr>
+            <p:style>
+              <a:lnRef idx="1">
+                <a:schemeClr val="accent1"/>
+              </a:lnRef>
+              <a:fillRef idx="0">
+                <a:schemeClr val="accent1"/>
+              </a:fillRef>
+              <a:effectRef idx="0">
+                <a:schemeClr val="accent1"/>
+              </a:effectRef>
+              <a:fontRef idx="minor">
+                <a:schemeClr val="tx1"/>
+              </a:fontRef>
+            </p:style>
+          </p:cxnSp>
+          <p:sp>
+            <p:nvSpPr>
+              <p:cNvPr id="21" name="Isosceles Triangle 20">
+                <a:extLst>
+                  <a:ext uri="{FF2B5EF4-FFF2-40B4-BE49-F238E27FC236}">
+                    <a16:creationId xmlns:a16="http://schemas.microsoft.com/office/drawing/2014/main" id="{C98EDD78-9E2A-4F62-9AD6-8D7B305791C0}"/>
+                  </a:ext>
+                </a:extLst>
+              </p:cNvPr>
+              <p:cNvSpPr/>
+              <p:nvPr/>
+            </p:nvSpPr>
+            <p:spPr>
+              <a:xfrm>
+                <a:off x="4174802" y="3840688"/>
+                <a:ext cx="587220" cy="357871"/>
+              </a:xfrm>
+              <a:prstGeom prst="triangle">
+                <a:avLst/>
+              </a:prstGeom>
+              <a:solidFill>
+                <a:srgbClr val="00B0F0"/>
+              </a:solidFill>
+              <a:ln>
+                <a:noFill/>
+              </a:ln>
+            </p:spPr>
+            <p:style>
+              <a:lnRef idx="2">
+                <a:schemeClr val="accent1">
+                  <a:shade val="50000"/>
+                </a:schemeClr>
+              </a:lnRef>
+              <a:fillRef idx="1">
+                <a:schemeClr val="accent1"/>
+              </a:fillRef>
+              <a:effectRef idx="0">
+                <a:schemeClr val="accent1"/>
+              </a:effectRef>
+              <a:fontRef idx="minor">
+                <a:schemeClr val="lt1"/>
+              </a:fontRef>
+            </p:style>
+            <p:txBody>
+              <a:bodyPr rtlCol="0" anchor="ctr"/>
+              <a:lstStyle/>
+              <a:p>
+                <a:pPr algn="ctr"/>
+                <a:endParaRPr lang="en-GB"/>
+              </a:p>
+            </p:txBody>
+          </p:sp>
+        </p:grpSp>
+      </p:grpSp>
     </p:spTree>
     <p:extLst>
       <p:ext uri="{BB962C8B-B14F-4D97-AF65-F5344CB8AC3E}">
